--- a/Presentatie2.pptx
+++ b/Presentatie2.pptx
@@ -7,9 +7,9 @@
   <p:sldIdLst>
     <p:sldId id="256" r:id="rId2"/>
     <p:sldId id="262" r:id="rId3"/>
-    <p:sldId id="266" r:id="rId4"/>
-    <p:sldId id="257" r:id="rId5"/>
-    <p:sldId id="261" r:id="rId6"/>
+    <p:sldId id="261" r:id="rId4"/>
+    <p:sldId id="266" r:id="rId5"/>
+    <p:sldId id="257" r:id="rId6"/>
     <p:sldId id="258" r:id="rId7"/>
     <p:sldId id="267" r:id="rId8"/>
     <p:sldId id="265" r:id="rId9"/>
@@ -269,7 +269,7 @@
           <a:p>
             <a:fld id="{E92B3C40-B484-0D46-853A-9C0741DAF408}" type="datetimeFigureOut">
               <a:rPr lang="nl-NL" smtClean="0"/>
-              <a:t>03-05-18</a:t>
+              <a:t>4-5-2018</a:t>
             </a:fld>
             <a:endParaRPr lang="nl-NL"/>
           </a:p>
@@ -467,7 +467,7 @@
           <a:p>
             <a:fld id="{E92B3C40-B484-0D46-853A-9C0741DAF408}" type="datetimeFigureOut">
               <a:rPr lang="nl-NL" smtClean="0"/>
-              <a:t>03-05-18</a:t>
+              <a:t>4-5-2018</a:t>
             </a:fld>
             <a:endParaRPr lang="nl-NL"/>
           </a:p>
@@ -675,7 +675,7 @@
           <a:p>
             <a:fld id="{E92B3C40-B484-0D46-853A-9C0741DAF408}" type="datetimeFigureOut">
               <a:rPr lang="nl-NL" smtClean="0"/>
-              <a:t>03-05-18</a:t>
+              <a:t>4-5-2018</a:t>
             </a:fld>
             <a:endParaRPr lang="nl-NL"/>
           </a:p>
@@ -873,7 +873,7 @@
           <a:p>
             <a:fld id="{E92B3C40-B484-0D46-853A-9C0741DAF408}" type="datetimeFigureOut">
               <a:rPr lang="nl-NL" smtClean="0"/>
-              <a:t>03-05-18</a:t>
+              <a:t>4-5-2018</a:t>
             </a:fld>
             <a:endParaRPr lang="nl-NL"/>
           </a:p>
@@ -1148,7 +1148,7 @@
           <a:p>
             <a:fld id="{E92B3C40-B484-0D46-853A-9C0741DAF408}" type="datetimeFigureOut">
               <a:rPr lang="nl-NL" smtClean="0"/>
-              <a:t>03-05-18</a:t>
+              <a:t>4-5-2018</a:t>
             </a:fld>
             <a:endParaRPr lang="nl-NL"/>
           </a:p>
@@ -1413,7 +1413,7 @@
           <a:p>
             <a:fld id="{E92B3C40-B484-0D46-853A-9C0741DAF408}" type="datetimeFigureOut">
               <a:rPr lang="nl-NL" smtClean="0"/>
-              <a:t>03-05-18</a:t>
+              <a:t>4-5-2018</a:t>
             </a:fld>
             <a:endParaRPr lang="nl-NL"/>
           </a:p>
@@ -1825,7 +1825,7 @@
           <a:p>
             <a:fld id="{E92B3C40-B484-0D46-853A-9C0741DAF408}" type="datetimeFigureOut">
               <a:rPr lang="nl-NL" smtClean="0"/>
-              <a:t>03-05-18</a:t>
+              <a:t>4-5-2018</a:t>
             </a:fld>
             <a:endParaRPr lang="nl-NL"/>
           </a:p>
@@ -1966,7 +1966,7 @@
           <a:p>
             <a:fld id="{E92B3C40-B484-0D46-853A-9C0741DAF408}" type="datetimeFigureOut">
               <a:rPr lang="nl-NL" smtClean="0"/>
-              <a:t>03-05-18</a:t>
+              <a:t>4-5-2018</a:t>
             </a:fld>
             <a:endParaRPr lang="nl-NL"/>
           </a:p>
@@ -2079,7 +2079,7 @@
           <a:p>
             <a:fld id="{E92B3C40-B484-0D46-853A-9C0741DAF408}" type="datetimeFigureOut">
               <a:rPr lang="nl-NL" smtClean="0"/>
-              <a:t>03-05-18</a:t>
+              <a:t>4-5-2018</a:t>
             </a:fld>
             <a:endParaRPr lang="nl-NL"/>
           </a:p>
@@ -2390,7 +2390,7 @@
           <a:p>
             <a:fld id="{E92B3C40-B484-0D46-853A-9C0741DAF408}" type="datetimeFigureOut">
               <a:rPr lang="nl-NL" smtClean="0"/>
-              <a:t>03-05-18</a:t>
+              <a:t>4-5-2018</a:t>
             </a:fld>
             <a:endParaRPr lang="nl-NL"/>
           </a:p>
@@ -2678,7 +2678,7 @@
           <a:p>
             <a:fld id="{E92B3C40-B484-0D46-853A-9C0741DAF408}" type="datetimeFigureOut">
               <a:rPr lang="nl-NL" smtClean="0"/>
-              <a:t>03-05-18</a:t>
+              <a:t>4-5-2018</a:t>
             </a:fld>
             <a:endParaRPr lang="nl-NL"/>
           </a:p>
@@ -2928,7 +2928,7 @@
           <a:p>
             <a:fld id="{E92B3C40-B484-0D46-853A-9C0741DAF408}" type="datetimeFigureOut">
               <a:rPr lang="nl-NL" smtClean="0"/>
-              <a:t>03-05-18</a:t>
+              <a:t>4-5-2018</a:t>
             </a:fld>
             <a:endParaRPr lang="nl-NL"/>
           </a:p>
@@ -3751,51 +3751,94 @@
           <a:bodyPr/>
           <a:lstStyle/>
           <a:p>
+            <a:pPr marL="0" indent="0">
+              <a:buNone/>
+            </a:pPr>
+            <a:r>
+              <a:rPr lang="en-GB" dirty="0" err="1">
+                <a:solidFill>
+                  <a:srgbClr val="003373"/>
+                </a:solidFill>
+              </a:rPr>
+              <a:t>Vorige</a:t>
+            </a:r>
             <a:r>
               <a:rPr lang="en-GB" dirty="0">
                 <a:solidFill>
                   <a:srgbClr val="003373"/>
                 </a:solidFill>
               </a:rPr>
-              <a:t>Context</a:t>
-            </a:r>
-          </a:p>
-          <a:p>
+              <a:t> </a:t>
+            </a:r>
+            <a:r>
+              <a:rPr lang="en-GB" dirty="0" err="1">
+                <a:solidFill>
+                  <a:srgbClr val="003373"/>
+                </a:solidFill>
+              </a:rPr>
+              <a:t>keer</a:t>
+            </a:r>
             <a:r>
               <a:rPr lang="en-GB" dirty="0">
                 <a:solidFill>
                   <a:srgbClr val="003373"/>
                 </a:solidFill>
               </a:rPr>
-              <a:t>Holland</a:t>
-            </a:r>
-          </a:p>
-          <a:p>
+              <a:t>:</a:t>
+            </a:r>
+          </a:p>
+          <a:p>
+            <a:r>
+              <a:rPr lang="en-GB" dirty="0">
+                <a:solidFill>
+                  <a:srgbClr val="003373"/>
+                </a:solidFill>
+              </a:rPr>
+              <a:t>Holland </a:t>
+            </a:r>
             <a:r>
               <a:rPr lang="en-GB" dirty="0" err="1">
                 <a:solidFill>
                   <a:srgbClr val="003373"/>
                 </a:solidFill>
               </a:rPr>
+              <a:t>en</a:t>
+            </a:r>
+            <a:r>
+              <a:rPr lang="en-GB" dirty="0">
+                <a:solidFill>
+                  <a:srgbClr val="003373"/>
+                </a:solidFill>
+              </a:rPr>
+              <a:t> Nederland</a:t>
+            </a:r>
+          </a:p>
+          <a:p>
+            <a:r>
+              <a:rPr lang="en-GB" dirty="0" err="1">
+                <a:solidFill>
+                  <a:srgbClr val="003373"/>
+                </a:solidFill>
+              </a:rPr>
+              <a:t>Kritieke</a:t>
+            </a:r>
+            <a:r>
+              <a:rPr lang="en-GB" dirty="0">
+                <a:solidFill>
+                  <a:srgbClr val="003373"/>
+                </a:solidFill>
+              </a:rPr>
+              <a:t> stations</a:t>
+            </a:r>
+          </a:p>
+          <a:p>
+            <a:r>
+              <a:rPr lang="en-GB" dirty="0" err="1">
+                <a:solidFill>
+                  <a:srgbClr val="003373"/>
+                </a:solidFill>
+              </a:rPr>
               <a:t>Visualisatie</a:t>
-            </a:r>
-            <a:r>
-              <a:rPr lang="en-GB" dirty="0">
-                <a:solidFill>
-                  <a:srgbClr val="003373"/>
-                </a:solidFill>
-              </a:rPr>
-              <a:t> Holland</a:t>
-            </a:r>
-          </a:p>
-          <a:p>
-            <a:r>
-              <a:rPr lang="en-GB" dirty="0" err="1">
-                <a:solidFill>
-                  <a:srgbClr val="003373"/>
-                </a:solidFill>
-              </a:rPr>
-              <a:t>Scorefunctie</a:t>
             </a:r>
             <a:endParaRPr lang="en-GB" dirty="0">
               <a:solidFill>
@@ -3810,7 +3853,7 @@
                   <a:srgbClr val="003373"/>
                 </a:solidFill>
               </a:rPr>
-              <a:t>Datastructuur</a:t>
+              <a:t>Scorefunctie</a:t>
             </a:r>
             <a:endParaRPr lang="en-NL" dirty="0">
               <a:solidFill>
@@ -3852,10 +3895,10 @@
       </p:grpSpPr>
       <p:sp>
         <p:nvSpPr>
-          <p:cNvPr id="2" name="Title 1">
-            <a:extLst>
-              <a:ext uri="{FF2B5EF4-FFF2-40B4-BE49-F238E27FC236}">
-                <a16:creationId xmlns:a16="http://schemas.microsoft.com/office/drawing/2014/main" id="{6D0D5D8B-143C-054D-BEC1-37C8A54DF701}"/>
+          <p:cNvPr id="2" name="Titel 1">
+            <a:extLst>
+              <a:ext uri="{FF2B5EF4-FFF2-40B4-BE49-F238E27FC236}">
+                <a16:creationId xmlns:a16="http://schemas.microsoft.com/office/drawing/2014/main" id="{70661334-CA7C-5448-9EDD-44D901F71BC0}"/>
               </a:ext>
             </a:extLst>
           </p:cNvPr>
@@ -3877,18 +3920,17 @@
                   <a:srgbClr val="003373"/>
                 </a:solidFill>
               </a:rPr>
-              <a:t>Methode </a:t>
-            </a:r>
-            <a:endParaRPr lang="en-US" dirty="0"/>
-          </a:p>
-        </p:txBody>
-      </p:sp>
-      <p:sp>
-        <p:nvSpPr>
-          <p:cNvPr id="3" name="Content Placeholder 2">
-            <a:extLst>
-              <a:ext uri="{FF2B5EF4-FFF2-40B4-BE49-F238E27FC236}">
-                <a16:creationId xmlns:a16="http://schemas.microsoft.com/office/drawing/2014/main" id="{91F0E411-3F1F-9C4E-8EA1-E00A54EF3124}"/>
+              <a:t>Scorefunctie</a:t>
+            </a:r>
+          </a:p>
+        </p:txBody>
+      </p:sp>
+      <p:sp>
+        <p:nvSpPr>
+          <p:cNvPr id="3" name="Tijdelijke aanduiding voor inhoud 2">
+            <a:extLst>
+              <a:ext uri="{FF2B5EF4-FFF2-40B4-BE49-F238E27FC236}">
+                <a16:creationId xmlns:a16="http://schemas.microsoft.com/office/drawing/2014/main" id="{569B0DB9-51E7-E643-B32B-D34AAC4A3D28}"/>
               </a:ext>
             </a:extLst>
           </p:cNvPr>
@@ -3910,7 +3952,7 @@
                   <a:srgbClr val="003373"/>
                 </a:solidFill>
               </a:rPr>
-              <a:t>Random</a:t>
+              <a:t>S = p*10000 - (t*20 + min/10)</a:t>
             </a:r>
           </a:p>
           <a:p>
@@ -3921,7 +3963,7 @@
                   <a:srgbClr val="003373"/>
                 </a:solidFill>
               </a:rPr>
-              <a:t>Kies random verbinding</a:t>
+              <a:t>p = percentage bereden kritieke verbindingen</a:t>
             </a:r>
           </a:p>
           <a:p>
@@ -3932,7 +3974,7 @@
                   <a:srgbClr val="003373"/>
                 </a:solidFill>
               </a:rPr>
-              <a:t>Doe dit tot de tijd verstreken is</a:t>
+              <a:t>t = aantal treinen </a:t>
             </a:r>
           </a:p>
           <a:p>
@@ -3943,27 +3985,25 @@
                   <a:srgbClr val="003373"/>
                 </a:solidFill>
               </a:rPr>
-              <a:t>OF </a:t>
-            </a:r>
-          </a:p>
-          <a:p>
-            <a:pPr lvl="1"/>
-            <a:r>
-              <a:rPr lang="nl-NL" dirty="0">
-                <a:solidFill>
-                  <a:srgbClr val="003373"/>
-                </a:solidFill>
-              </a:rPr>
-              <a:t>Tot de treinen op zijn</a:t>
-            </a:r>
-            <a:endParaRPr lang="en-US" dirty="0"/>
+              <a:t>min = aantal door alle treinen gereden minuten</a:t>
+            </a:r>
+          </a:p>
+          <a:p>
+            <a:pPr marL="0" indent="0">
+              <a:buNone/>
+            </a:pPr>
+            <a:endParaRPr lang="nl-NL" dirty="0">
+              <a:solidFill>
+                <a:srgbClr val="003373"/>
+              </a:solidFill>
+            </a:endParaRPr>
           </a:p>
         </p:txBody>
       </p:sp>
     </p:spTree>
     <p:extLst>
       <p:ext uri="{BB962C8B-B14F-4D97-AF65-F5344CB8AC3E}">
-        <p14:creationId xmlns:p14="http://schemas.microsoft.com/office/powerpoint/2010/main" val="1689406106"/>
+        <p14:creationId xmlns:p14="http://schemas.microsoft.com/office/powerpoint/2010/main" val="2136485170"/>
       </p:ext>
     </p:extLst>
   </p:cSld>
@@ -3992,10 +4032,10 @@
       </p:grpSpPr>
       <p:sp>
         <p:nvSpPr>
-          <p:cNvPr id="2" name="Titel 1">
-            <a:extLst>
-              <a:ext uri="{FF2B5EF4-FFF2-40B4-BE49-F238E27FC236}">
-                <a16:creationId xmlns:a16="http://schemas.microsoft.com/office/drawing/2014/main" id="{15AC38BE-6371-5B40-AB1E-D72AC1260690}"/>
+          <p:cNvPr id="2" name="Title 1">
+            <a:extLst>
+              <a:ext uri="{FF2B5EF4-FFF2-40B4-BE49-F238E27FC236}">
+                <a16:creationId xmlns:a16="http://schemas.microsoft.com/office/drawing/2014/main" id="{6D0D5D8B-143C-054D-BEC1-37C8A54DF701}"/>
               </a:ext>
             </a:extLst>
           </p:cNvPr>
@@ -4019,20 +4059,16 @@
               </a:rPr>
               <a:t>Methode </a:t>
             </a:r>
-            <a:endParaRPr lang="nl-NL" dirty="0">
-              <a:solidFill>
-                <a:srgbClr val="003337"/>
-              </a:solidFill>
-            </a:endParaRPr>
-          </a:p>
-        </p:txBody>
-      </p:sp>
-      <p:sp>
-        <p:nvSpPr>
-          <p:cNvPr id="3" name="Tijdelijke aanduiding voor inhoud 2">
-            <a:extLst>
-              <a:ext uri="{FF2B5EF4-FFF2-40B4-BE49-F238E27FC236}">
-                <a16:creationId xmlns:a16="http://schemas.microsoft.com/office/drawing/2014/main" id="{FD2C7671-1691-3441-BB2D-964238BA890B}"/>
+            <a:endParaRPr lang="en-US" dirty="0"/>
+          </a:p>
+        </p:txBody>
+      </p:sp>
+      <p:sp>
+        <p:nvSpPr>
+          <p:cNvPr id="3" name="Content Placeholder 2">
+            <a:extLst>
+              <a:ext uri="{FF2B5EF4-FFF2-40B4-BE49-F238E27FC236}">
+                <a16:creationId xmlns:a16="http://schemas.microsoft.com/office/drawing/2014/main" id="{91F0E411-3F1F-9C4E-8EA1-E00A54EF3124}"/>
               </a:ext>
             </a:extLst>
           </p:cNvPr>
@@ -4049,18 +4085,13 @@
           <a:lstStyle/>
           <a:p>
             <a:r>
-              <a:rPr lang="nl-NL" dirty="0" err="1">
-                <a:solidFill>
-                  <a:srgbClr val="003373"/>
-                </a:solidFill>
-              </a:rPr>
-              <a:t>Greedy</a:t>
-            </a:r>
-            <a:endParaRPr lang="nl-NL" dirty="0">
-              <a:solidFill>
-                <a:srgbClr val="003373"/>
-              </a:solidFill>
-            </a:endParaRPr>
+              <a:rPr lang="nl-NL" dirty="0">
+                <a:solidFill>
+                  <a:srgbClr val="003373"/>
+                </a:solidFill>
+              </a:rPr>
+              <a:t>Random</a:t>
+            </a:r>
           </a:p>
           <a:p>
             <a:pPr lvl="1"/>
@@ -4070,23 +4101,18 @@
                   <a:srgbClr val="003373"/>
                 </a:solidFill>
               </a:rPr>
-              <a:t>Vind </a:t>
-            </a:r>
-            <a:r>
-              <a:rPr lang="nl-NL" dirty="0" err="1">
-                <a:solidFill>
-                  <a:srgbClr val="003373"/>
-                </a:solidFill>
-              </a:rPr>
-              <a:t>korstste</a:t>
-            </a:r>
+              <a:t>Kies random verbinding</a:t>
+            </a:r>
+          </a:p>
+          <a:p>
+            <a:pPr lvl="1"/>
             <a:r>
               <a:rPr lang="nl-NL" dirty="0">
                 <a:solidFill>
                   <a:srgbClr val="003373"/>
                 </a:solidFill>
               </a:rPr>
-              <a:t> kritieke verbinding</a:t>
+              <a:t>Doe dit tot de tijd verstreken is</a:t>
             </a:r>
           </a:p>
           <a:p>
@@ -4097,34 +4123,15 @@
                   <a:srgbClr val="003373"/>
                 </a:solidFill>
               </a:rPr>
-              <a:t>Kijk links en rechts</a:t>
-            </a:r>
-          </a:p>
-          <a:p>
-            <a:pPr lvl="2"/>
-            <a:r>
-              <a:rPr lang="nl-NL" dirty="0">
-                <a:solidFill>
-                  <a:srgbClr val="003373"/>
-                </a:solidFill>
-              </a:rPr>
-              <a:t>Wat is de kortste kritieke verbinding?</a:t>
-            </a:r>
-          </a:p>
-          <a:p>
-            <a:pPr lvl="1"/>
-            <a:endParaRPr lang="nl-NL" dirty="0">
-              <a:solidFill>
-                <a:srgbClr val="003373"/>
-              </a:solidFill>
-            </a:endParaRPr>
+              <a:t>Doe dit tot treinen op zijn</a:t>
+            </a:r>
           </a:p>
         </p:txBody>
       </p:sp>
     </p:spTree>
     <p:extLst>
       <p:ext uri="{BB962C8B-B14F-4D97-AF65-F5344CB8AC3E}">
-        <p14:creationId xmlns:p14="http://schemas.microsoft.com/office/powerpoint/2010/main" val="2276716376"/>
+        <p14:creationId xmlns:p14="http://schemas.microsoft.com/office/powerpoint/2010/main" val="1689406106"/>
       </p:ext>
     </p:extLst>
   </p:cSld>
@@ -4156,7 +4163,7 @@
           <p:cNvPr id="2" name="Titel 1">
             <a:extLst>
               <a:ext uri="{FF2B5EF4-FFF2-40B4-BE49-F238E27FC236}">
-                <a16:creationId xmlns:a16="http://schemas.microsoft.com/office/drawing/2014/main" id="{70661334-CA7C-5448-9EDD-44D901F71BC0}"/>
+                <a16:creationId xmlns:a16="http://schemas.microsoft.com/office/drawing/2014/main" id="{15AC38BE-6371-5B40-AB1E-D72AC1260690}"/>
               </a:ext>
             </a:extLst>
           </p:cNvPr>
@@ -4178,8 +4185,13 @@
                   <a:srgbClr val="003373"/>
                 </a:solidFill>
               </a:rPr>
-              <a:t>Scorefunctie</a:t>
-            </a:r>
+              <a:t>Methode </a:t>
+            </a:r>
+            <a:endParaRPr lang="nl-NL" dirty="0">
+              <a:solidFill>
+                <a:srgbClr val="003337"/>
+              </a:solidFill>
+            </a:endParaRPr>
           </a:p>
         </p:txBody>
       </p:sp>
@@ -4188,7 +4200,7 @@
           <p:cNvPr id="3" name="Tijdelijke aanduiding voor inhoud 2">
             <a:extLst>
               <a:ext uri="{FF2B5EF4-FFF2-40B4-BE49-F238E27FC236}">
-                <a16:creationId xmlns:a16="http://schemas.microsoft.com/office/drawing/2014/main" id="{569B0DB9-51E7-E643-B32B-D34AAC4A3D28}"/>
+                <a16:creationId xmlns:a16="http://schemas.microsoft.com/office/drawing/2014/main" id="{FD2C7671-1691-3441-BB2D-964238BA890B}"/>
               </a:ext>
             </a:extLst>
           </p:cNvPr>
@@ -4205,63 +4217,66 @@
           <a:lstStyle/>
           <a:p>
             <a:r>
-              <a:rPr lang="nl-NL" dirty="0">
-                <a:solidFill>
-                  <a:srgbClr val="003373"/>
-                </a:solidFill>
-              </a:rPr>
-              <a:t>S = p*10000 - (t*20 + min/10)</a:t>
-            </a:r>
-          </a:p>
-          <a:p>
-            <a:pPr lvl="1"/>
-            <a:r>
-              <a:rPr lang="nl-NL" dirty="0">
-                <a:solidFill>
-                  <a:srgbClr val="003373"/>
-                </a:solidFill>
-              </a:rPr>
-              <a:t>p = percentage bereden kritieke verbindingen</a:t>
-            </a:r>
-          </a:p>
-          <a:p>
-            <a:pPr lvl="1"/>
-            <a:r>
-              <a:rPr lang="nl-NL" dirty="0">
-                <a:solidFill>
-                  <a:srgbClr val="003373"/>
-                </a:solidFill>
-              </a:rPr>
-              <a:t>t = aantal treinen </a:t>
-            </a:r>
-          </a:p>
-          <a:p>
-            <a:pPr lvl="1"/>
-            <a:r>
-              <a:rPr lang="nl-NL" dirty="0">
-                <a:solidFill>
-                  <a:srgbClr val="003373"/>
-                </a:solidFill>
-              </a:rPr>
-              <a:t>min = aantal door alle treinen gereden minuten</a:t>
-            </a:r>
-          </a:p>
-          <a:p>
-            <a:pPr marL="0" indent="0">
-              <a:buNone/>
-            </a:pPr>
+              <a:rPr lang="nl-NL" dirty="0" err="1">
+                <a:solidFill>
+                  <a:srgbClr val="003373"/>
+                </a:solidFill>
+              </a:rPr>
+              <a:t>Greedy</a:t>
+            </a:r>
             <a:endParaRPr lang="nl-NL" dirty="0">
               <a:solidFill>
                 <a:srgbClr val="003373"/>
               </a:solidFill>
             </a:endParaRPr>
           </a:p>
+          <a:p>
+            <a:pPr lvl="1"/>
+            <a:r>
+              <a:rPr lang="nl-NL" dirty="0">
+                <a:solidFill>
+                  <a:srgbClr val="003373"/>
+                </a:solidFill>
+              </a:rPr>
+              <a:t>Vind kortste kritieke verbinding</a:t>
+            </a:r>
+          </a:p>
+          <a:p>
+            <a:pPr lvl="1"/>
+            <a:r>
+              <a:rPr lang="nl-NL" dirty="0">
+                <a:solidFill>
+                  <a:srgbClr val="003373"/>
+                </a:solidFill>
+              </a:rPr>
+              <a:t>Kijk links en rechts</a:t>
+            </a:r>
+          </a:p>
+          <a:p>
+            <a:pPr lvl="2"/>
+            <a:r>
+              <a:rPr lang="nl-NL" dirty="0">
+                <a:solidFill>
+                  <a:srgbClr val="003373"/>
+                </a:solidFill>
+              </a:rPr>
+              <a:t>Wat is de kortste kritieke verbinding?</a:t>
+            </a:r>
+          </a:p>
+          <a:p>
+            <a:pPr lvl="1"/>
+            <a:endParaRPr lang="nl-NL" dirty="0">
+              <a:solidFill>
+                <a:srgbClr val="003373"/>
+              </a:solidFill>
+            </a:endParaRPr>
+          </a:p>
         </p:txBody>
       </p:sp>
     </p:spTree>
     <p:extLst>
       <p:ext uri="{BB962C8B-B14F-4D97-AF65-F5344CB8AC3E}">
-        <p14:creationId xmlns:p14="http://schemas.microsoft.com/office/powerpoint/2010/main" val="2136485170"/>
+        <p14:creationId xmlns:p14="http://schemas.microsoft.com/office/powerpoint/2010/main" val="2276716376"/>
       </p:ext>
     </p:extLst>
   </p:cSld>

--- a/Presentatie2.pptx
+++ b/Presentatie2.pptx
@@ -269,7 +269,7 @@
           <a:p>
             <a:fld id="{E92B3C40-B484-0D46-853A-9C0741DAF408}" type="datetimeFigureOut">
               <a:rPr lang="nl-NL" smtClean="0"/>
-              <a:t>4-5-2018</a:t>
+              <a:t>04-05-18</a:t>
             </a:fld>
             <a:endParaRPr lang="nl-NL"/>
           </a:p>
@@ -467,7 +467,7 @@
           <a:p>
             <a:fld id="{E92B3C40-B484-0D46-853A-9C0741DAF408}" type="datetimeFigureOut">
               <a:rPr lang="nl-NL" smtClean="0"/>
-              <a:t>4-5-2018</a:t>
+              <a:t>04-05-18</a:t>
             </a:fld>
             <a:endParaRPr lang="nl-NL"/>
           </a:p>
@@ -675,7 +675,7 @@
           <a:p>
             <a:fld id="{E92B3C40-B484-0D46-853A-9C0741DAF408}" type="datetimeFigureOut">
               <a:rPr lang="nl-NL" smtClean="0"/>
-              <a:t>4-5-2018</a:t>
+              <a:t>04-05-18</a:t>
             </a:fld>
             <a:endParaRPr lang="nl-NL"/>
           </a:p>
@@ -873,7 +873,7 @@
           <a:p>
             <a:fld id="{E92B3C40-B484-0D46-853A-9C0741DAF408}" type="datetimeFigureOut">
               <a:rPr lang="nl-NL" smtClean="0"/>
-              <a:t>4-5-2018</a:t>
+              <a:t>04-05-18</a:t>
             </a:fld>
             <a:endParaRPr lang="nl-NL"/>
           </a:p>
@@ -1148,7 +1148,7 @@
           <a:p>
             <a:fld id="{E92B3C40-B484-0D46-853A-9C0741DAF408}" type="datetimeFigureOut">
               <a:rPr lang="nl-NL" smtClean="0"/>
-              <a:t>4-5-2018</a:t>
+              <a:t>04-05-18</a:t>
             </a:fld>
             <a:endParaRPr lang="nl-NL"/>
           </a:p>
@@ -1413,7 +1413,7 @@
           <a:p>
             <a:fld id="{E92B3C40-B484-0D46-853A-9C0741DAF408}" type="datetimeFigureOut">
               <a:rPr lang="nl-NL" smtClean="0"/>
-              <a:t>4-5-2018</a:t>
+              <a:t>04-05-18</a:t>
             </a:fld>
             <a:endParaRPr lang="nl-NL"/>
           </a:p>
@@ -1825,7 +1825,7 @@
           <a:p>
             <a:fld id="{E92B3C40-B484-0D46-853A-9C0741DAF408}" type="datetimeFigureOut">
               <a:rPr lang="nl-NL" smtClean="0"/>
-              <a:t>4-5-2018</a:t>
+              <a:t>04-05-18</a:t>
             </a:fld>
             <a:endParaRPr lang="nl-NL"/>
           </a:p>
@@ -1966,7 +1966,7 @@
           <a:p>
             <a:fld id="{E92B3C40-B484-0D46-853A-9C0741DAF408}" type="datetimeFigureOut">
               <a:rPr lang="nl-NL" smtClean="0"/>
-              <a:t>4-5-2018</a:t>
+              <a:t>04-05-18</a:t>
             </a:fld>
             <a:endParaRPr lang="nl-NL"/>
           </a:p>
@@ -2079,7 +2079,7 @@
           <a:p>
             <a:fld id="{E92B3C40-B484-0D46-853A-9C0741DAF408}" type="datetimeFigureOut">
               <a:rPr lang="nl-NL" smtClean="0"/>
-              <a:t>4-5-2018</a:t>
+              <a:t>04-05-18</a:t>
             </a:fld>
             <a:endParaRPr lang="nl-NL"/>
           </a:p>
@@ -2390,7 +2390,7 @@
           <a:p>
             <a:fld id="{E92B3C40-B484-0D46-853A-9C0741DAF408}" type="datetimeFigureOut">
               <a:rPr lang="nl-NL" smtClean="0"/>
-              <a:t>4-5-2018</a:t>
+              <a:t>04-05-18</a:t>
             </a:fld>
             <a:endParaRPr lang="nl-NL"/>
           </a:p>
@@ -2678,7 +2678,7 @@
           <a:p>
             <a:fld id="{E92B3C40-B484-0D46-853A-9C0741DAF408}" type="datetimeFigureOut">
               <a:rPr lang="nl-NL" smtClean="0"/>
-              <a:t>4-5-2018</a:t>
+              <a:t>04-05-18</a:t>
             </a:fld>
             <a:endParaRPr lang="nl-NL"/>
           </a:p>
@@ -2928,7 +2928,7 @@
           <a:p>
             <a:fld id="{E92B3C40-B484-0D46-853A-9C0741DAF408}" type="datetimeFigureOut">
               <a:rPr lang="nl-NL" smtClean="0"/>
-              <a:t>4-5-2018</a:t>
+              <a:t>04-05-18</a:t>
             </a:fld>
             <a:endParaRPr lang="nl-NL"/>
           </a:p>
@@ -4694,7 +4694,7 @@
                   <a:srgbClr val="003373"/>
                 </a:solidFill>
               </a:rPr>
-              <a:t>Score van… 4900</a:t>
+              <a:t>Score van… 5337</a:t>
             </a:r>
           </a:p>
           <a:p>
